--- a/static/lectures/lecture-final-recap/lecture-final-recap.pptx
+++ b/static/lectures/lecture-final-recap/lecture-final-recap.pptx
@@ -9,26 +9,27 @@
     <p:sldMasterId id="2147483696" r:id="rId5"/>
   </p:sldMasterIdLst>
   <p:notesMasterIdLst>
-    <p:notesMasterId r:id="rId20"/>
+    <p:notesMasterId r:id="rId21"/>
   </p:notesMasterIdLst>
   <p:handoutMasterIdLst>
-    <p:handoutMasterId r:id="rId21"/>
+    <p:handoutMasterId r:id="rId22"/>
   </p:handoutMasterIdLst>
   <p:sldIdLst>
     <p:sldId id="256" r:id="rId6"/>
     <p:sldId id="286" r:id="rId7"/>
-    <p:sldId id="288" r:id="rId8"/>
-    <p:sldId id="287" r:id="rId9"/>
-    <p:sldId id="289" r:id="rId10"/>
-    <p:sldId id="290" r:id="rId11"/>
-    <p:sldId id="292" r:id="rId12"/>
-    <p:sldId id="291" r:id="rId13"/>
-    <p:sldId id="293" r:id="rId14"/>
-    <p:sldId id="294" r:id="rId15"/>
-    <p:sldId id="295" r:id="rId16"/>
-    <p:sldId id="296" r:id="rId17"/>
-    <p:sldId id="297" r:id="rId18"/>
-    <p:sldId id="285" r:id="rId19"/>
+    <p:sldId id="298" r:id="rId8"/>
+    <p:sldId id="288" r:id="rId9"/>
+    <p:sldId id="287" r:id="rId10"/>
+    <p:sldId id="289" r:id="rId11"/>
+    <p:sldId id="290" r:id="rId12"/>
+    <p:sldId id="292" r:id="rId13"/>
+    <p:sldId id="291" r:id="rId14"/>
+    <p:sldId id="293" r:id="rId15"/>
+    <p:sldId id="294" r:id="rId16"/>
+    <p:sldId id="295" r:id="rId17"/>
+    <p:sldId id="296" r:id="rId18"/>
+    <p:sldId id="297" r:id="rId19"/>
+    <p:sldId id="285" r:id="rId20"/>
   </p:sldIdLst>
   <p:sldSz cx="10080625" cy="7559675"/>
   <p:notesSz cx="7772400" cy="10058400"/>
@@ -968,7 +969,7 @@
           <a:p>
             <a:pPr lvl="0"/>
             <a:fld id="{DD4DCEEC-93BA-EE4C-BDE8-DE586AD0DA6C}" type="slidenum">
-              <a:t>14</a:t>
+              <a:t>15</a:t>
             </a:fld>
             <a:endParaRPr lang="en-US"/>
           </a:p>
@@ -17514,6 +17515,132 @@
   <p:cSld>
     <p:spTree>
       <p:nvGrpSpPr>
+        <p:cNvPr id="1" name="">
+          <a:extLst>
+            <a:ext uri="{FF2B5EF4-FFF2-40B4-BE49-F238E27FC236}">
+              <a16:creationId xmlns:a16="http://schemas.microsoft.com/office/drawing/2014/main" id="{F1B19E8E-35A0-AF81-FFA2-ED8555BC721B}"/>
+            </a:ext>
+          </a:extLst>
+        </p:cNvPr>
+        <p:cNvGrpSpPr/>
+        <p:nvPr/>
+      </p:nvGrpSpPr>
+      <p:grpSpPr>
+        <a:xfrm>
+          <a:off x="0" y="0"/>
+          <a:ext cx="0" cy="0"/>
+          <a:chOff x="0" y="0"/>
+          <a:chExt cx="0" cy="0"/>
+        </a:xfrm>
+      </p:grpSpPr>
+      <p:pic>
+        <p:nvPicPr>
+          <p:cNvPr id="2" name="Picture 1">
+            <a:extLst>
+              <a:ext uri="{FF2B5EF4-FFF2-40B4-BE49-F238E27FC236}">
+                <a16:creationId xmlns:a16="http://schemas.microsoft.com/office/drawing/2014/main" id="{B36EAE81-7BCE-2FAD-2B69-C277ED2CA98B}"/>
+              </a:ext>
+            </a:extLst>
+          </p:cNvPr>
+          <p:cNvPicPr>
+            <a:picLocks noChangeAspect="1"/>
+          </p:cNvPicPr>
+          <p:nvPr/>
+        </p:nvPicPr>
+        <p:blipFill>
+          <a:blip r:embed="rId2"/>
+          <a:stretch>
+            <a:fillRect/>
+          </a:stretch>
+        </p:blipFill>
+        <p:spPr>
+          <a:xfrm>
+            <a:off x="328396" y="391868"/>
+            <a:ext cx="9423831" cy="1108686"/>
+          </a:xfrm>
+          <a:prstGeom prst="rect">
+            <a:avLst/>
+          </a:prstGeom>
+        </p:spPr>
+      </p:pic>
+      <p:pic>
+        <p:nvPicPr>
+          <p:cNvPr id="3" name="Picture 2">
+            <a:extLst>
+              <a:ext uri="{FF2B5EF4-FFF2-40B4-BE49-F238E27FC236}">
+                <a16:creationId xmlns:a16="http://schemas.microsoft.com/office/drawing/2014/main" id="{198E35D1-1237-7E20-C901-E1C6519E6CBA}"/>
+              </a:ext>
+            </a:extLst>
+          </p:cNvPr>
+          <p:cNvPicPr>
+            <a:picLocks noChangeAspect="1"/>
+          </p:cNvPicPr>
+          <p:nvPr/>
+        </p:nvPicPr>
+        <p:blipFill>
+          <a:blip r:embed="rId3"/>
+          <a:stretch>
+            <a:fillRect/>
+          </a:stretch>
+        </p:blipFill>
+        <p:spPr>
+          <a:xfrm>
+            <a:off x="532788" y="1798636"/>
+            <a:ext cx="9423823" cy="1108685"/>
+          </a:xfrm>
+          <a:prstGeom prst="rect">
+            <a:avLst/>
+          </a:prstGeom>
+        </p:spPr>
+      </p:pic>
+      <p:pic>
+        <p:nvPicPr>
+          <p:cNvPr id="4" name="Picture 3">
+            <a:extLst>
+              <a:ext uri="{FF2B5EF4-FFF2-40B4-BE49-F238E27FC236}">
+                <a16:creationId xmlns:a16="http://schemas.microsoft.com/office/drawing/2014/main" id="{7C12F206-9F1B-14F7-690D-FF6DCF493715}"/>
+              </a:ext>
+            </a:extLst>
+          </p:cNvPr>
+          <p:cNvPicPr>
+            <a:picLocks noChangeAspect="1"/>
+          </p:cNvPicPr>
+          <p:nvPr/>
+        </p:nvPicPr>
+        <p:blipFill>
+          <a:blip r:embed="rId4"/>
+          <a:stretch>
+            <a:fillRect/>
+          </a:stretch>
+        </p:blipFill>
+        <p:spPr>
+          <a:xfrm>
+            <a:off x="532787" y="3017833"/>
+            <a:ext cx="9423823" cy="1108685"/>
+          </a:xfrm>
+          <a:prstGeom prst="rect">
+            <a:avLst/>
+          </a:prstGeom>
+        </p:spPr>
+      </p:pic>
+    </p:spTree>
+    <p:extLst>
+      <p:ext uri="{BB962C8B-B14F-4D97-AF65-F5344CB8AC3E}">
+        <p14:creationId xmlns:p14="http://schemas.microsoft.com/office/powerpoint/2010/main" val="2225462004"/>
+      </p:ext>
+    </p:extLst>
+  </p:cSld>
+  <p:clrMapOvr>
+    <a:masterClrMapping/>
+  </p:clrMapOvr>
+</p:sld>
+</file>
+
+<file path=ppt/slides/slide11.xml><?xml version="1.0" encoding="utf-8"?>
+<p:sld xmlns:a="http://schemas.openxmlformats.org/drawingml/2006/main" xmlns:r="http://schemas.openxmlformats.org/officeDocument/2006/relationships" xmlns:p="http://schemas.openxmlformats.org/presentationml/2006/main">
+  <p:cSld>
+    <p:spTree>
+      <p:nvGrpSpPr>
         <p:cNvPr id="1" name=""/>
         <p:cNvGrpSpPr/>
         <p:nvPr/>
@@ -17629,7 +17756,7 @@
 </p:sld>
 </file>
 
-<file path=ppt/slides/slide11.xml><?xml version="1.0" encoding="utf-8"?>
+<file path=ppt/slides/slide12.xml><?xml version="1.0" encoding="utf-8"?>
 <p:sld xmlns:a="http://schemas.openxmlformats.org/drawingml/2006/main" xmlns:r="http://schemas.openxmlformats.org/officeDocument/2006/relationships" xmlns:p="http://schemas.openxmlformats.org/presentationml/2006/main">
   <p:cSld>
     <p:spTree>
@@ -17689,7 +17816,7 @@
 </p:sld>
 </file>
 
-<file path=ppt/slides/slide12.xml><?xml version="1.0" encoding="utf-8"?>
+<file path=ppt/slides/slide13.xml><?xml version="1.0" encoding="utf-8"?>
 <p:sld xmlns:a="http://schemas.openxmlformats.org/drawingml/2006/main" xmlns:r="http://schemas.openxmlformats.org/officeDocument/2006/relationships" xmlns:p="http://schemas.openxmlformats.org/presentationml/2006/main">
   <p:cSld>
     <p:spTree>
@@ -17749,7 +17876,7 @@
 </p:sld>
 </file>
 
-<file path=ppt/slides/slide13.xml><?xml version="1.0" encoding="utf-8"?>
+<file path=ppt/slides/slide14.xml><?xml version="1.0" encoding="utf-8"?>
 <p:sld xmlns:a="http://schemas.openxmlformats.org/drawingml/2006/main" xmlns:r="http://schemas.openxmlformats.org/officeDocument/2006/relationships" xmlns:p="http://schemas.openxmlformats.org/presentationml/2006/main">
   <p:cSld>
     <p:spTree>
@@ -17845,7 +17972,7 @@
 </p:sld>
 </file>
 
-<file path=ppt/slides/slide14.xml><?xml version="1.0" encoding="utf-8"?>
+<file path=ppt/slides/slide15.xml><?xml version="1.0" encoding="utf-8"?>
 <p:sld xmlns:a="http://schemas.openxmlformats.org/drawingml/2006/main" xmlns:r="http://schemas.openxmlformats.org/officeDocument/2006/relationships" xmlns:p="http://schemas.openxmlformats.org/presentationml/2006/main">
   <p:cSld name="page30">
     <p:spTree>
@@ -18035,6 +18162,139 @@
 </file>
 
 <file path=ppt/slides/slide3.xml><?xml version="1.0" encoding="utf-8"?>
+<p:sld xmlns:a="http://schemas.openxmlformats.org/drawingml/2006/main" xmlns:r="http://schemas.openxmlformats.org/officeDocument/2006/relationships" xmlns:p="http://schemas.openxmlformats.org/presentationml/2006/main">
+  <p:cSld>
+    <p:spTree>
+      <p:nvGrpSpPr>
+        <p:cNvPr id="1" name="">
+          <a:extLst>
+            <a:ext uri="{FF2B5EF4-FFF2-40B4-BE49-F238E27FC236}">
+              <a16:creationId xmlns:a16="http://schemas.microsoft.com/office/drawing/2014/main" id="{FC57274A-25F6-B7A2-EC55-1F3829C64631}"/>
+            </a:ext>
+          </a:extLst>
+        </p:cNvPr>
+        <p:cNvGrpSpPr/>
+        <p:nvPr/>
+      </p:nvGrpSpPr>
+      <p:grpSpPr>
+        <a:xfrm>
+          <a:off x="0" y="0"/>
+          <a:ext cx="0" cy="0"/>
+          <a:chOff x="0" y="0"/>
+          <a:chExt cx="0" cy="0"/>
+        </a:xfrm>
+      </p:grpSpPr>
+      <p:pic>
+        <p:nvPicPr>
+          <p:cNvPr id="2" name="Picture 1">
+            <a:extLst>
+              <a:ext uri="{FF2B5EF4-FFF2-40B4-BE49-F238E27FC236}">
+                <a16:creationId xmlns:a16="http://schemas.microsoft.com/office/drawing/2014/main" id="{FEC12B7F-A854-30FB-10C5-85E2CEC96243}"/>
+              </a:ext>
+            </a:extLst>
+          </p:cNvPr>
+          <p:cNvPicPr>
+            <a:picLocks noChangeAspect="1"/>
+          </p:cNvPicPr>
+          <p:nvPr/>
+        </p:nvPicPr>
+        <p:blipFill>
+          <a:blip r:embed="rId2"/>
+          <a:stretch>
+            <a:fillRect/>
+          </a:stretch>
+        </p:blipFill>
+        <p:spPr>
+          <a:xfrm>
+            <a:off x="0" y="0"/>
+            <a:ext cx="6158132" cy="5886449"/>
+          </a:xfrm>
+          <a:prstGeom prst="rect">
+            <a:avLst/>
+          </a:prstGeom>
+        </p:spPr>
+      </p:pic>
+      <p:sp>
+        <p:nvSpPr>
+          <p:cNvPr id="5" name="TextBox 4">
+            <a:extLst>
+              <a:ext uri="{FF2B5EF4-FFF2-40B4-BE49-F238E27FC236}">
+                <a16:creationId xmlns:a16="http://schemas.microsoft.com/office/drawing/2014/main" id="{AC873904-449E-32B8-4D50-D7D872146830}"/>
+              </a:ext>
+            </a:extLst>
+          </p:cNvPr>
+          <p:cNvSpPr txBox="1"/>
+          <p:nvPr/>
+        </p:nvSpPr>
+        <p:spPr>
+          <a:xfrm>
+            <a:off x="5719641" y="594919"/>
+            <a:ext cx="3576758" cy="461665"/>
+          </a:xfrm>
+          <a:prstGeom prst="rect">
+            <a:avLst/>
+          </a:prstGeom>
+          <a:noFill/>
+        </p:spPr>
+        <p:txBody>
+          <a:bodyPr wrap="square">
+            <a:spAutoFit/>
+          </a:bodyPr>
+          <a:lstStyle/>
+          <a:p>
+            <a:r>
+              <a:rPr lang="en-US" sz="2400" dirty="0">
+                <a:hlinkClick r:id="rId3"/>
+              </a:rPr>
+              <a:t>PollEv.com​/antonburtsev</a:t>
+            </a:r>
+            <a:endParaRPr lang="en-US" sz="2400" dirty="0"/>
+          </a:p>
+        </p:txBody>
+      </p:sp>
+      <p:pic>
+        <p:nvPicPr>
+          <p:cNvPr id="6" name="Picture 5">
+            <a:extLst>
+              <a:ext uri="{FF2B5EF4-FFF2-40B4-BE49-F238E27FC236}">
+                <a16:creationId xmlns:a16="http://schemas.microsoft.com/office/drawing/2014/main" id="{9D1CD750-4882-9D93-2F34-390984EB6069}"/>
+              </a:ext>
+            </a:extLst>
+          </p:cNvPr>
+          <p:cNvPicPr>
+            <a:picLocks noChangeAspect="1"/>
+          </p:cNvPicPr>
+          <p:nvPr/>
+        </p:nvPicPr>
+        <p:blipFill>
+          <a:blip r:embed="rId4"/>
+          <a:srcRect l="3114" t="3266"/>
+          <a:stretch/>
+        </p:blipFill>
+        <p:spPr>
+          <a:xfrm>
+            <a:off x="6257925" y="2543175"/>
+            <a:ext cx="3838687" cy="3714749"/>
+          </a:xfrm>
+          <a:prstGeom prst="rect">
+            <a:avLst/>
+          </a:prstGeom>
+        </p:spPr>
+      </p:pic>
+    </p:spTree>
+    <p:extLst>
+      <p:ext uri="{BB962C8B-B14F-4D97-AF65-F5344CB8AC3E}">
+        <p14:creationId xmlns:p14="http://schemas.microsoft.com/office/powerpoint/2010/main" val="1954919557"/>
+      </p:ext>
+    </p:extLst>
+  </p:cSld>
+  <p:clrMapOvr>
+    <a:masterClrMapping/>
+  </p:clrMapOvr>
+</p:sld>
+</file>
+
+<file path=ppt/slides/slide4.xml><?xml version="1.0" encoding="utf-8"?>
 <p:sld xmlns:a="http://schemas.openxmlformats.org/drawingml/2006/main" xmlns:r="http://schemas.openxmlformats.org/officeDocument/2006/relationships" xmlns:p="http://schemas.openxmlformats.org/presentationml/2006/main">
   <p:cSld>
     <p:spTree>
@@ -18160,7 +18420,7 @@
 </p:sld>
 </file>
 
-<file path=ppt/slides/slide4.xml><?xml version="1.0" encoding="utf-8"?>
+<file path=ppt/slides/slide5.xml><?xml version="1.0" encoding="utf-8"?>
 <p:sld xmlns:a="http://schemas.openxmlformats.org/drawingml/2006/main" xmlns:r="http://schemas.openxmlformats.org/officeDocument/2006/relationships" xmlns:p="http://schemas.openxmlformats.org/presentationml/2006/main">
   <p:cSld>
     <p:spTree>
@@ -18258,7 +18518,7 @@
 </p:sld>
 </file>
 
-<file path=ppt/slides/slide5.xml><?xml version="1.0" encoding="utf-8"?>
+<file path=ppt/slides/slide6.xml><?xml version="1.0" encoding="utf-8"?>
 <p:sld xmlns:a="http://schemas.openxmlformats.org/drawingml/2006/main" xmlns:r="http://schemas.openxmlformats.org/officeDocument/2006/relationships" xmlns:p="http://schemas.openxmlformats.org/presentationml/2006/main">
   <p:cSld>
     <p:spTree>
@@ -18297,8 +18557,38 @@
         </p:blipFill>
         <p:spPr>
           <a:xfrm>
-            <a:off x="356943" y="620703"/>
+            <a:off x="480768" y="3544878"/>
             <a:ext cx="8852506" cy="2603144"/>
+          </a:xfrm>
+          <a:prstGeom prst="rect">
+            <a:avLst/>
+          </a:prstGeom>
+        </p:spPr>
+      </p:pic>
+      <p:pic>
+        <p:nvPicPr>
+          <p:cNvPr id="3" name="Picture 2">
+            <a:extLst>
+              <a:ext uri="{FF2B5EF4-FFF2-40B4-BE49-F238E27FC236}">
+                <a16:creationId xmlns:a16="http://schemas.microsoft.com/office/drawing/2014/main" id="{AE43287B-85C5-BBD9-B25B-070F33F2EE6F}"/>
+              </a:ext>
+            </a:extLst>
+          </p:cNvPr>
+          <p:cNvPicPr>
+            <a:picLocks noChangeAspect="1"/>
+          </p:cNvPicPr>
+          <p:nvPr/>
+        </p:nvPicPr>
+        <p:blipFill>
+          <a:blip r:embed="rId3"/>
+          <a:stretch>
+            <a:fillRect/>
+          </a:stretch>
+        </p:blipFill>
+        <p:spPr>
+          <a:xfrm>
+            <a:off x="169373" y="209513"/>
+            <a:ext cx="9206347" cy="3764610"/>
           </a:xfrm>
           <a:prstGeom prst="rect">
             <a:avLst/>
@@ -18318,7 +18608,7 @@
 </p:sld>
 </file>
 
-<file path=ppt/slides/slide6.xml><?xml version="1.0" encoding="utf-8"?>
+<file path=ppt/slides/slide7.xml><?xml version="1.0" encoding="utf-8"?>
 <p:sld xmlns:a="http://schemas.openxmlformats.org/drawingml/2006/main" xmlns:r="http://schemas.openxmlformats.org/officeDocument/2006/relationships" xmlns:p="http://schemas.openxmlformats.org/presentationml/2006/main">
   <p:cSld>
     <p:spTree>
@@ -18378,7 +18668,7 @@
 </p:sld>
 </file>
 
-<file path=ppt/slides/slide7.xml><?xml version="1.0" encoding="utf-8"?>
+<file path=ppt/slides/slide8.xml><?xml version="1.0" encoding="utf-8"?>
 <p:sld xmlns:a="http://schemas.openxmlformats.org/drawingml/2006/main" xmlns:r="http://schemas.openxmlformats.org/officeDocument/2006/relationships" xmlns:p="http://schemas.openxmlformats.org/presentationml/2006/main">
   <p:cSld>
     <p:spTree>
@@ -18474,7 +18764,7 @@
 </p:sld>
 </file>
 
-<file path=ppt/slides/slide8.xml><?xml version="1.0" encoding="utf-8"?>
+<file path=ppt/slides/slide9.xml><?xml version="1.0" encoding="utf-8"?>
 <p:sld xmlns:a="http://schemas.openxmlformats.org/drawingml/2006/main" xmlns:r="http://schemas.openxmlformats.org/officeDocument/2006/relationships" xmlns:p="http://schemas.openxmlformats.org/presentationml/2006/main">
   <p:cSld>
     <p:spTree>
@@ -18525,132 +18815,6 @@
     <p:extLst>
       <p:ext uri="{BB962C8B-B14F-4D97-AF65-F5344CB8AC3E}">
         <p14:creationId xmlns:p14="http://schemas.microsoft.com/office/powerpoint/2010/main" val="3086406108"/>
-      </p:ext>
-    </p:extLst>
-  </p:cSld>
-  <p:clrMapOvr>
-    <a:masterClrMapping/>
-  </p:clrMapOvr>
-</p:sld>
-</file>
-
-<file path=ppt/slides/slide9.xml><?xml version="1.0" encoding="utf-8"?>
-<p:sld xmlns:a="http://schemas.openxmlformats.org/drawingml/2006/main" xmlns:r="http://schemas.openxmlformats.org/officeDocument/2006/relationships" xmlns:p="http://schemas.openxmlformats.org/presentationml/2006/main">
-  <p:cSld>
-    <p:spTree>
-      <p:nvGrpSpPr>
-        <p:cNvPr id="1" name="">
-          <a:extLst>
-            <a:ext uri="{FF2B5EF4-FFF2-40B4-BE49-F238E27FC236}">
-              <a16:creationId xmlns:a16="http://schemas.microsoft.com/office/drawing/2014/main" id="{F1B19E8E-35A0-AF81-FFA2-ED8555BC721B}"/>
-            </a:ext>
-          </a:extLst>
-        </p:cNvPr>
-        <p:cNvGrpSpPr/>
-        <p:nvPr/>
-      </p:nvGrpSpPr>
-      <p:grpSpPr>
-        <a:xfrm>
-          <a:off x="0" y="0"/>
-          <a:ext cx="0" cy="0"/>
-          <a:chOff x="0" y="0"/>
-          <a:chExt cx="0" cy="0"/>
-        </a:xfrm>
-      </p:grpSpPr>
-      <p:pic>
-        <p:nvPicPr>
-          <p:cNvPr id="2" name="Picture 1">
-            <a:extLst>
-              <a:ext uri="{FF2B5EF4-FFF2-40B4-BE49-F238E27FC236}">
-                <a16:creationId xmlns:a16="http://schemas.microsoft.com/office/drawing/2014/main" id="{B36EAE81-7BCE-2FAD-2B69-C277ED2CA98B}"/>
-              </a:ext>
-            </a:extLst>
-          </p:cNvPr>
-          <p:cNvPicPr>
-            <a:picLocks noChangeAspect="1"/>
-          </p:cNvPicPr>
-          <p:nvPr/>
-        </p:nvPicPr>
-        <p:blipFill>
-          <a:blip r:embed="rId2"/>
-          <a:stretch>
-            <a:fillRect/>
-          </a:stretch>
-        </p:blipFill>
-        <p:spPr>
-          <a:xfrm>
-            <a:off x="328396" y="391868"/>
-            <a:ext cx="9423831" cy="1108686"/>
-          </a:xfrm>
-          <a:prstGeom prst="rect">
-            <a:avLst/>
-          </a:prstGeom>
-        </p:spPr>
-      </p:pic>
-      <p:pic>
-        <p:nvPicPr>
-          <p:cNvPr id="3" name="Picture 2">
-            <a:extLst>
-              <a:ext uri="{FF2B5EF4-FFF2-40B4-BE49-F238E27FC236}">
-                <a16:creationId xmlns:a16="http://schemas.microsoft.com/office/drawing/2014/main" id="{198E35D1-1237-7E20-C901-E1C6519E6CBA}"/>
-              </a:ext>
-            </a:extLst>
-          </p:cNvPr>
-          <p:cNvPicPr>
-            <a:picLocks noChangeAspect="1"/>
-          </p:cNvPicPr>
-          <p:nvPr/>
-        </p:nvPicPr>
-        <p:blipFill>
-          <a:blip r:embed="rId3"/>
-          <a:stretch>
-            <a:fillRect/>
-          </a:stretch>
-        </p:blipFill>
-        <p:spPr>
-          <a:xfrm>
-            <a:off x="532788" y="1798636"/>
-            <a:ext cx="9423823" cy="1108685"/>
-          </a:xfrm>
-          <a:prstGeom prst="rect">
-            <a:avLst/>
-          </a:prstGeom>
-        </p:spPr>
-      </p:pic>
-      <p:pic>
-        <p:nvPicPr>
-          <p:cNvPr id="4" name="Picture 3">
-            <a:extLst>
-              <a:ext uri="{FF2B5EF4-FFF2-40B4-BE49-F238E27FC236}">
-                <a16:creationId xmlns:a16="http://schemas.microsoft.com/office/drawing/2014/main" id="{7C12F206-9F1B-14F7-690D-FF6DCF493715}"/>
-              </a:ext>
-            </a:extLst>
-          </p:cNvPr>
-          <p:cNvPicPr>
-            <a:picLocks noChangeAspect="1"/>
-          </p:cNvPicPr>
-          <p:nvPr/>
-        </p:nvPicPr>
-        <p:blipFill>
-          <a:blip r:embed="rId4"/>
-          <a:stretch>
-            <a:fillRect/>
-          </a:stretch>
-        </p:blipFill>
-        <p:spPr>
-          <a:xfrm>
-            <a:off x="532787" y="3017833"/>
-            <a:ext cx="9423823" cy="1108685"/>
-          </a:xfrm>
-          <a:prstGeom prst="rect">
-            <a:avLst/>
-          </a:prstGeom>
-        </p:spPr>
-      </p:pic>
-    </p:spTree>
-    <p:extLst>
-      <p:ext uri="{BB962C8B-B14F-4D97-AF65-F5344CB8AC3E}">
-        <p14:creationId xmlns:p14="http://schemas.microsoft.com/office/powerpoint/2010/main" val="2225462004"/>
       </p:ext>
     </p:extLst>
   </p:cSld>
